--- a/스크립트언어/강의 자료/chapter8.pptx
+++ b/스크립트언어/강의 자료/chapter8.pptx
@@ -12797,7 +12797,7 @@
         </p:nvSpPr>
         <p:spPr bwMode="auto">
           <a:xfrm>
-            <a:off x="866038" y="1506627"/>
+            <a:off x="802873" y="1617663"/>
             <a:ext cx="7538254" cy="1569660"/>
           </a:xfrm>
           <a:prstGeom prst="rect">
@@ -13066,7 +13066,7 @@
         </p:nvSpPr>
         <p:spPr bwMode="auto">
           <a:xfrm>
-            <a:off x="866038" y="3625562"/>
+            <a:off x="802873" y="3736598"/>
             <a:ext cx="7538254" cy="584775"/>
           </a:xfrm>
           <a:prstGeom prst="rect">
@@ -15069,7 +15069,7 @@
                 <a:latin typeface="+mj-lt"/>
                 <a:cs typeface="Courier New" panose="02070309020205020404" pitchFamily="49" charset="0"/>
               </a:rPr>
-              <a:t>() 			</a:t>
+              <a:t>() 			 </a:t>
             </a:r>
             <a:r>
               <a:rPr kumimoji="0" lang="en-US" altLang="ko-KR" sz="1600" b="1" dirty="0">
@@ -15331,13 +15331,13 @@
           <p:nvPr>
             <p:extLst>
               <p:ext uri="{D42A27DB-BD31-4B8C-83A1-F6EECF244321}">
-                <p14:modId xmlns:p14="http://schemas.microsoft.com/office/powerpoint/2010/main" val="442343532"/>
+                <p14:modId xmlns:p14="http://schemas.microsoft.com/office/powerpoint/2010/main" val="2762310639"/>
               </p:ext>
             </p:extLst>
           </p:nvPr>
         </p:nvGraphicFramePr>
         <p:xfrm>
-          <a:off x="744826" y="1261772"/>
+          <a:off x="783822" y="1189681"/>
           <a:ext cx="7538255" cy="2479040"/>
         </p:xfrm>
         <a:graphic>
